--- a/EDA project.pptx
+++ b/EDA project.pptx
@@ -6,8 +6,11 @@
     <p:sldMasterId id="2147483651" r:id="rId2"/>
     <p:sldMasterId id="2147483654" r:id="rId3"/>
   </p:sldMasterIdLst>
+  <p:notesMasterIdLst>
+    <p:notesMasterId r:id="rId19"/>
+  </p:notesMasterIdLst>
   <p:handoutMasterIdLst>
-    <p:handoutMasterId r:id="rId17"/>
+    <p:handoutMasterId r:id="rId20"/>
   </p:handoutMasterIdLst>
   <p:sldIdLst>
     <p:sldId id="299" r:id="rId4"/>
@@ -21,8 +24,10 @@
     <p:sldId id="309" r:id="rId12"/>
     <p:sldId id="310" r:id="rId13"/>
     <p:sldId id="311" r:id="rId14"/>
-    <p:sldId id="301" r:id="rId15"/>
-    <p:sldId id="285" r:id="rId16"/>
+    <p:sldId id="315" r:id="rId15"/>
+    <p:sldId id="313" r:id="rId16"/>
+    <p:sldId id="301" r:id="rId17"/>
+    <p:sldId id="285" r:id="rId18"/>
   </p:sldIdLst>
   <p:sldSz cx="9144000" cy="5143500" type="screen16x9"/>
   <p:notesSz cx="6858000" cy="9144000"/>
@@ -313,11 +318,11 @@
           <c:showBubbleSize val="0"/>
         </c:dLbls>
         <c:gapWidth val="110"/>
-        <c:axId val="-2068577328"/>
-        <c:axId val="-2068578416"/>
+        <c:axId val="526187008"/>
+        <c:axId val="526188640"/>
       </c:barChart>
       <c:catAx>
-        <c:axId val="-2068577328"/>
+        <c:axId val="526187008"/>
         <c:scaling>
           <c:orientation val="minMax"/>
         </c:scaling>
@@ -327,7 +332,7 @@
         <c:majorTickMark val="none"/>
         <c:minorTickMark val="none"/>
         <c:tickLblPos val="nextTo"/>
-        <c:crossAx val="-2068578416"/>
+        <c:crossAx val="526188640"/>
         <c:crosses val="autoZero"/>
         <c:auto val="1"/>
         <c:lblAlgn val="ctr"/>
@@ -335,7 +340,7 @@
         <c:noMultiLvlLbl val="0"/>
       </c:catAx>
       <c:valAx>
-        <c:axId val="-2068578416"/>
+        <c:axId val="526188640"/>
         <c:scaling>
           <c:orientation val="minMax"/>
         </c:scaling>
@@ -345,7 +350,7 @@
         <c:majorTickMark val="none"/>
         <c:minorTickMark val="none"/>
         <c:tickLblPos val="nextTo"/>
-        <c:crossAx val="-2068577328"/>
+        <c:crossAx val="526187008"/>
         <c:crosses val="autoZero"/>
         <c:crossBetween val="between"/>
       </c:valAx>
@@ -1016,7 +1021,7 @@
           <a:p>
             <a:fld id="{69452B2B-0BBC-4845-BD5C-6186374697E3}" type="datetimeFigureOut">
               <a:rPr lang="ko-KR" altLang="en-US" smtClean="0"/>
-              <a:t>2021-11-20</a:t>
+              <a:t>2021-11-21</a:t>
             </a:fld>
             <a:endParaRPr lang="ko-KR" altLang="en-US" dirty="0"/>
           </a:p>
@@ -1099,6 +1104,440 @@
 </p:handoutMaster>
 </file>
 
+<file path=ppt/notesMasters/notesMaster1.xml><?xml version="1.0" encoding="utf-8"?>
+<p:notesMaster xmlns:a="http://schemas.openxmlformats.org/drawingml/2006/main" xmlns:r="http://schemas.openxmlformats.org/officeDocument/2006/relationships" xmlns:p="http://schemas.openxmlformats.org/presentationml/2006/main">
+  <p:cSld>
+    <p:bg>
+      <p:bgRef idx="1001">
+        <a:schemeClr val="bg1"/>
+      </p:bgRef>
+    </p:bg>
+    <p:spTree>
+      <p:nvGrpSpPr>
+        <p:cNvPr id="1" name=""/>
+        <p:cNvGrpSpPr/>
+        <p:nvPr/>
+      </p:nvGrpSpPr>
+      <p:grpSpPr>
+        <a:xfrm>
+          <a:off x="0" y="0"/>
+          <a:ext cx="0" cy="0"/>
+          <a:chOff x="0" y="0"/>
+          <a:chExt cx="0" cy="0"/>
+        </a:xfrm>
+      </p:grpSpPr>
+      <p:sp>
+        <p:nvSpPr>
+          <p:cNvPr id="2" name="عنصر نائب للرأس 1"/>
+          <p:cNvSpPr>
+            <a:spLocks noGrp="1"/>
+          </p:cNvSpPr>
+          <p:nvPr>
+            <p:ph type="hdr" sz="quarter"/>
+          </p:nvPr>
+        </p:nvSpPr>
+        <p:spPr>
+          <a:xfrm>
+            <a:off x="3886200" y="0"/>
+            <a:ext cx="2971800" cy="458788"/>
+          </a:xfrm>
+          <a:prstGeom prst="rect">
+            <a:avLst/>
+          </a:prstGeom>
+        </p:spPr>
+        <p:txBody>
+          <a:bodyPr vert="horz" lIns="91440" tIns="45720" rIns="91440" bIns="45720" rtlCol="1"/>
+          <a:lstStyle>
+            <a:lvl1pPr algn="r">
+              <a:defRPr sz="1200"/>
+            </a:lvl1pPr>
+          </a:lstStyle>
+          <a:p>
+            <a:endParaRPr lang="ar-SA"/>
+          </a:p>
+        </p:txBody>
+      </p:sp>
+      <p:sp>
+        <p:nvSpPr>
+          <p:cNvPr id="3" name="عنصر نائب للتاريخ 2"/>
+          <p:cNvSpPr>
+            <a:spLocks noGrp="1"/>
+          </p:cNvSpPr>
+          <p:nvPr>
+            <p:ph type="dt" idx="1"/>
+          </p:nvPr>
+        </p:nvSpPr>
+        <p:spPr>
+          <a:xfrm>
+            <a:off x="1588" y="0"/>
+            <a:ext cx="2971800" cy="458788"/>
+          </a:xfrm>
+          <a:prstGeom prst="rect">
+            <a:avLst/>
+          </a:prstGeom>
+        </p:spPr>
+        <p:txBody>
+          <a:bodyPr vert="horz" lIns="91440" tIns="45720" rIns="91440" bIns="45720" rtlCol="1"/>
+          <a:lstStyle>
+            <a:lvl1pPr algn="l">
+              <a:defRPr sz="1200"/>
+            </a:lvl1pPr>
+          </a:lstStyle>
+          <a:p>
+            <a:fld id="{78496015-D183-4ED7-A48D-3DF8DC8B0269}" type="datetimeFigureOut">
+              <a:rPr lang="ar-SA" smtClean="0"/>
+              <a:t>16/04/1443</a:t>
+            </a:fld>
+            <a:endParaRPr lang="ar-SA"/>
+          </a:p>
+        </p:txBody>
+      </p:sp>
+      <p:sp>
+        <p:nvSpPr>
+          <p:cNvPr id="4" name="عنصر نائب لصورة الشريحة 3"/>
+          <p:cNvSpPr>
+            <a:spLocks noGrp="1" noRot="1" noChangeAspect="1"/>
+          </p:cNvSpPr>
+          <p:nvPr>
+            <p:ph type="sldImg" idx="2"/>
+          </p:nvPr>
+        </p:nvSpPr>
+        <p:spPr>
+          <a:xfrm>
+            <a:off x="685800" y="1143000"/>
+            <a:ext cx="5486400" cy="3086100"/>
+          </a:xfrm>
+          <a:prstGeom prst="rect">
+            <a:avLst/>
+          </a:prstGeom>
+          <a:noFill/>
+          <a:ln w="12700">
+            <a:solidFill>
+              <a:prstClr val="black"/>
+            </a:solidFill>
+          </a:ln>
+        </p:spPr>
+        <p:txBody>
+          <a:bodyPr vert="horz" lIns="91440" tIns="45720" rIns="91440" bIns="45720" rtlCol="1" anchor="ctr"/>
+          <a:lstStyle/>
+          <a:p>
+            <a:endParaRPr lang="ar-SA"/>
+          </a:p>
+        </p:txBody>
+      </p:sp>
+      <p:sp>
+        <p:nvSpPr>
+          <p:cNvPr id="5" name="عنصر نائب للملاحظات 4"/>
+          <p:cNvSpPr>
+            <a:spLocks noGrp="1"/>
+          </p:cNvSpPr>
+          <p:nvPr>
+            <p:ph type="body" sz="quarter" idx="3"/>
+          </p:nvPr>
+        </p:nvSpPr>
+        <p:spPr>
+          <a:xfrm>
+            <a:off x="685800" y="4400550"/>
+            <a:ext cx="5486400" cy="3600450"/>
+          </a:xfrm>
+          <a:prstGeom prst="rect">
+            <a:avLst/>
+          </a:prstGeom>
+        </p:spPr>
+        <p:txBody>
+          <a:bodyPr vert="horz" lIns="91440" tIns="45720" rIns="91440" bIns="45720" rtlCol="1"/>
+          <a:lstStyle/>
+          <a:p>
+            <a:pPr lvl="0"/>
+            <a:r>
+              <a:rPr lang="ar-SA" smtClean="0"/>
+              <a:t>انقر لتحرير أنماط النص الرئيسي</a:t>
+            </a:r>
+          </a:p>
+          <a:p>
+            <a:pPr lvl="1"/>
+            <a:r>
+              <a:rPr lang="ar-SA" smtClean="0"/>
+              <a:t>المستوى الثاني</a:t>
+            </a:r>
+          </a:p>
+          <a:p>
+            <a:pPr lvl="2"/>
+            <a:r>
+              <a:rPr lang="ar-SA" smtClean="0"/>
+              <a:t>المستوى الثالث</a:t>
+            </a:r>
+          </a:p>
+          <a:p>
+            <a:pPr lvl="3"/>
+            <a:r>
+              <a:rPr lang="ar-SA" smtClean="0"/>
+              <a:t>المستوى الرابع</a:t>
+            </a:r>
+          </a:p>
+          <a:p>
+            <a:pPr lvl="4"/>
+            <a:r>
+              <a:rPr lang="ar-SA" smtClean="0"/>
+              <a:t>المستوى الخامس</a:t>
+            </a:r>
+            <a:endParaRPr lang="ar-SA"/>
+          </a:p>
+        </p:txBody>
+      </p:sp>
+      <p:sp>
+        <p:nvSpPr>
+          <p:cNvPr id="6" name="عنصر نائب للتذييل 5"/>
+          <p:cNvSpPr>
+            <a:spLocks noGrp="1"/>
+          </p:cNvSpPr>
+          <p:nvPr>
+            <p:ph type="ftr" sz="quarter" idx="4"/>
+          </p:nvPr>
+        </p:nvSpPr>
+        <p:spPr>
+          <a:xfrm>
+            <a:off x="3886200" y="8685213"/>
+            <a:ext cx="2971800" cy="458787"/>
+          </a:xfrm>
+          <a:prstGeom prst="rect">
+            <a:avLst/>
+          </a:prstGeom>
+        </p:spPr>
+        <p:txBody>
+          <a:bodyPr vert="horz" lIns="91440" tIns="45720" rIns="91440" bIns="45720" rtlCol="1" anchor="b"/>
+          <a:lstStyle>
+            <a:lvl1pPr algn="r">
+              <a:defRPr sz="1200"/>
+            </a:lvl1pPr>
+          </a:lstStyle>
+          <a:p>
+            <a:endParaRPr lang="ar-SA"/>
+          </a:p>
+        </p:txBody>
+      </p:sp>
+      <p:sp>
+        <p:nvSpPr>
+          <p:cNvPr id="7" name="عنصر نائب لرقم الشريحة 6"/>
+          <p:cNvSpPr>
+            <a:spLocks noGrp="1"/>
+          </p:cNvSpPr>
+          <p:nvPr>
+            <p:ph type="sldNum" sz="quarter" idx="5"/>
+          </p:nvPr>
+        </p:nvSpPr>
+        <p:spPr>
+          <a:xfrm>
+            <a:off x="1588" y="8685213"/>
+            <a:ext cx="2971800" cy="458787"/>
+          </a:xfrm>
+          <a:prstGeom prst="rect">
+            <a:avLst/>
+          </a:prstGeom>
+        </p:spPr>
+        <p:txBody>
+          <a:bodyPr vert="horz" lIns="91440" tIns="45720" rIns="91440" bIns="45720" rtlCol="1" anchor="b"/>
+          <a:lstStyle>
+            <a:lvl1pPr algn="l">
+              <a:defRPr sz="1200"/>
+            </a:lvl1pPr>
+          </a:lstStyle>
+          <a:p>
+            <a:fld id="{63A01750-58A5-4CC5-A0F9-FD2B0D620C4B}" type="slidenum">
+              <a:rPr lang="ar-SA" smtClean="0"/>
+              <a:t>‹#›</a:t>
+            </a:fld>
+            <a:endParaRPr lang="ar-SA"/>
+          </a:p>
+        </p:txBody>
+      </p:sp>
+    </p:spTree>
+    <p:extLst>
+      <p:ext uri="{BB962C8B-B14F-4D97-AF65-F5344CB8AC3E}">
+        <p14:creationId xmlns:p14="http://schemas.microsoft.com/office/powerpoint/2010/main" val="3309721580"/>
+      </p:ext>
+    </p:extLst>
+  </p:cSld>
+  <p:clrMap bg1="lt1" tx1="dk1" bg2="lt2" tx2="dk2" accent1="accent1" accent2="accent2" accent3="accent3" accent4="accent4" accent5="accent5" accent6="accent6" hlink="hlink" folHlink="folHlink"/>
+  <p:notesStyle>
+    <a:lvl1pPr marL="0" algn="r" defTabSz="914400" rtl="1" eaLnBrk="1" latinLnBrk="0" hangingPunct="1">
+      <a:defRPr sz="1200" kern="1200">
+        <a:solidFill>
+          <a:schemeClr val="tx1"/>
+        </a:solidFill>
+        <a:latin typeface="+mn-lt"/>
+        <a:ea typeface="+mn-ea"/>
+        <a:cs typeface="+mn-cs"/>
+      </a:defRPr>
+    </a:lvl1pPr>
+    <a:lvl2pPr marL="457200" algn="r" defTabSz="914400" rtl="1" eaLnBrk="1" latinLnBrk="0" hangingPunct="1">
+      <a:defRPr sz="1200" kern="1200">
+        <a:solidFill>
+          <a:schemeClr val="tx1"/>
+        </a:solidFill>
+        <a:latin typeface="+mn-lt"/>
+        <a:ea typeface="+mn-ea"/>
+        <a:cs typeface="+mn-cs"/>
+      </a:defRPr>
+    </a:lvl2pPr>
+    <a:lvl3pPr marL="914400" algn="r" defTabSz="914400" rtl="1" eaLnBrk="1" latinLnBrk="0" hangingPunct="1">
+      <a:defRPr sz="1200" kern="1200">
+        <a:solidFill>
+          <a:schemeClr val="tx1"/>
+        </a:solidFill>
+        <a:latin typeface="+mn-lt"/>
+        <a:ea typeface="+mn-ea"/>
+        <a:cs typeface="+mn-cs"/>
+      </a:defRPr>
+    </a:lvl3pPr>
+    <a:lvl4pPr marL="1371600" algn="r" defTabSz="914400" rtl="1" eaLnBrk="1" latinLnBrk="0" hangingPunct="1">
+      <a:defRPr sz="1200" kern="1200">
+        <a:solidFill>
+          <a:schemeClr val="tx1"/>
+        </a:solidFill>
+        <a:latin typeface="+mn-lt"/>
+        <a:ea typeface="+mn-ea"/>
+        <a:cs typeface="+mn-cs"/>
+      </a:defRPr>
+    </a:lvl4pPr>
+    <a:lvl5pPr marL="1828800" algn="r" defTabSz="914400" rtl="1" eaLnBrk="1" latinLnBrk="0" hangingPunct="1">
+      <a:defRPr sz="1200" kern="1200">
+        <a:solidFill>
+          <a:schemeClr val="tx1"/>
+        </a:solidFill>
+        <a:latin typeface="+mn-lt"/>
+        <a:ea typeface="+mn-ea"/>
+        <a:cs typeface="+mn-cs"/>
+      </a:defRPr>
+    </a:lvl5pPr>
+    <a:lvl6pPr marL="2286000" algn="r" defTabSz="914400" rtl="1" eaLnBrk="1" latinLnBrk="0" hangingPunct="1">
+      <a:defRPr sz="1200" kern="1200">
+        <a:solidFill>
+          <a:schemeClr val="tx1"/>
+        </a:solidFill>
+        <a:latin typeface="+mn-lt"/>
+        <a:ea typeface="+mn-ea"/>
+        <a:cs typeface="+mn-cs"/>
+      </a:defRPr>
+    </a:lvl6pPr>
+    <a:lvl7pPr marL="2743200" algn="r" defTabSz="914400" rtl="1" eaLnBrk="1" latinLnBrk="0" hangingPunct="1">
+      <a:defRPr sz="1200" kern="1200">
+        <a:solidFill>
+          <a:schemeClr val="tx1"/>
+        </a:solidFill>
+        <a:latin typeface="+mn-lt"/>
+        <a:ea typeface="+mn-ea"/>
+        <a:cs typeface="+mn-cs"/>
+      </a:defRPr>
+    </a:lvl7pPr>
+    <a:lvl8pPr marL="3200400" algn="r" defTabSz="914400" rtl="1" eaLnBrk="1" latinLnBrk="0" hangingPunct="1">
+      <a:defRPr sz="1200" kern="1200">
+        <a:solidFill>
+          <a:schemeClr val="tx1"/>
+        </a:solidFill>
+        <a:latin typeface="+mn-lt"/>
+        <a:ea typeface="+mn-ea"/>
+        <a:cs typeface="+mn-cs"/>
+      </a:defRPr>
+    </a:lvl8pPr>
+    <a:lvl9pPr marL="3657600" algn="r" defTabSz="914400" rtl="1" eaLnBrk="1" latinLnBrk="0" hangingPunct="1">
+      <a:defRPr sz="1200" kern="1200">
+        <a:solidFill>
+          <a:schemeClr val="tx1"/>
+        </a:solidFill>
+        <a:latin typeface="+mn-lt"/>
+        <a:ea typeface="+mn-ea"/>
+        <a:cs typeface="+mn-cs"/>
+      </a:defRPr>
+    </a:lvl9pPr>
+  </p:notesStyle>
+</p:notesMaster>
+</file>
+
+<file path=ppt/notesSlides/notesSlide1.xml><?xml version="1.0" encoding="utf-8"?>
+<p:notes xmlns:a="http://schemas.openxmlformats.org/drawingml/2006/main" xmlns:r="http://schemas.openxmlformats.org/officeDocument/2006/relationships" xmlns:p="http://schemas.openxmlformats.org/presentationml/2006/main">
+  <p:cSld>
+    <p:spTree>
+      <p:nvGrpSpPr>
+        <p:cNvPr id="1" name=""/>
+        <p:cNvGrpSpPr/>
+        <p:nvPr/>
+      </p:nvGrpSpPr>
+      <p:grpSpPr>
+        <a:xfrm>
+          <a:off x="0" y="0"/>
+          <a:ext cx="0" cy="0"/>
+          <a:chOff x="0" y="0"/>
+          <a:chExt cx="0" cy="0"/>
+        </a:xfrm>
+      </p:grpSpPr>
+      <p:sp>
+        <p:nvSpPr>
+          <p:cNvPr id="2" name="عنصر نائب لصورة الشريحة 1"/>
+          <p:cNvSpPr>
+            <a:spLocks noGrp="1" noRot="1" noChangeAspect="1"/>
+          </p:cNvSpPr>
+          <p:nvPr>
+            <p:ph type="sldImg"/>
+          </p:nvPr>
+        </p:nvSpPr>
+        <p:spPr/>
+      </p:sp>
+      <p:sp>
+        <p:nvSpPr>
+          <p:cNvPr id="3" name="عنصر نائب للملاحظات 2"/>
+          <p:cNvSpPr>
+            <a:spLocks noGrp="1"/>
+          </p:cNvSpPr>
+          <p:nvPr>
+            <p:ph type="body" idx="1"/>
+          </p:nvPr>
+        </p:nvSpPr>
+        <p:spPr/>
+        <p:txBody>
+          <a:bodyPr/>
+          <a:lstStyle/>
+          <a:p>
+            <a:endParaRPr lang="ar-SA" dirty="0"/>
+          </a:p>
+        </p:txBody>
+      </p:sp>
+      <p:sp>
+        <p:nvSpPr>
+          <p:cNvPr id="4" name="عنصر نائب لرقم الشريحة 3"/>
+          <p:cNvSpPr>
+            <a:spLocks noGrp="1"/>
+          </p:cNvSpPr>
+          <p:nvPr>
+            <p:ph type="sldNum" sz="quarter" idx="10"/>
+          </p:nvPr>
+        </p:nvSpPr>
+        <p:spPr/>
+        <p:txBody>
+          <a:bodyPr/>
+          <a:lstStyle/>
+          <a:p>
+            <a:fld id="{63A01750-58A5-4CC5-A0F9-FD2B0D620C4B}" type="slidenum">
+              <a:rPr lang="ar-SA" smtClean="0"/>
+              <a:t>1</a:t>
+            </a:fld>
+            <a:endParaRPr lang="ar-SA"/>
+          </a:p>
+        </p:txBody>
+      </p:sp>
+    </p:spTree>
+    <p:extLst>
+      <p:ext uri="{BB962C8B-B14F-4D97-AF65-F5344CB8AC3E}">
+        <p14:creationId xmlns:p14="http://schemas.microsoft.com/office/powerpoint/2010/main" val="3939835787"/>
+      </p:ext>
+    </p:extLst>
+  </p:cSld>
+  <p:clrMapOvr>
+    <a:masterClrMapping/>
+  </p:clrMapOvr>
+</p:notes>
+</file>
+
 <file path=ppt/slideLayouts/slideLayout1.xml><?xml version="1.0" encoding="utf-8"?>
 <p:sldLayout xmlns:a="http://schemas.openxmlformats.org/drawingml/2006/main" xmlns:r="http://schemas.openxmlformats.org/officeDocument/2006/relationships" xmlns:p="http://schemas.openxmlformats.org/presentationml/2006/main" preserve="1" userDrawn="1">
   <p:cSld name="Title and Content">
@@ -1245,6 +1684,9 @@
   <p:clrMapOvr>
     <a:masterClrMapping/>
   </p:clrMapOvr>
+  <p:transition spd="slow">
+    <p:push dir="u"/>
+  </p:transition>
 </p:sldLayout>
 </file>
 
@@ -1357,6 +1799,9 @@
   <p:clrMapOvr>
     <a:masterClrMapping/>
   </p:clrMapOvr>
+  <p:transition spd="slow">
+    <p:push dir="u"/>
+  </p:transition>
 </p:sldLayout>
 </file>
 
@@ -1633,6 +2078,9 @@
   <p:clrMapOvr>
     <a:masterClrMapping/>
   </p:clrMapOvr>
+  <p:transition spd="slow">
+    <p:push dir="u"/>
+  </p:transition>
 </p:sldLayout>
 </file>
 
@@ -1909,6 +2357,9 @@
   <p:clrMapOvr>
     <a:masterClrMapping/>
   </p:clrMapOvr>
+  <p:transition spd="slow">
+    <p:push dir="u"/>
+  </p:transition>
 </p:sldLayout>
 </file>
 
@@ -2185,6 +2636,9 @@
   <p:clrMapOvr>
     <a:masterClrMapping/>
   </p:clrMapOvr>
+  <p:transition spd="slow">
+    <p:push dir="u"/>
+  </p:transition>
 </p:sldLayout>
 </file>
 
@@ -2291,6 +2745,9 @@
   <p:clrMapOvr>
     <a:masterClrMapping/>
   </p:clrMapOvr>
+  <p:transition spd="slow">
+    <p:push dir="u"/>
+  </p:transition>
 </p:sldLayout>
 </file>
 
@@ -2581,6 +3038,9 @@
   <p:clrMapOvr>
     <a:masterClrMapping/>
   </p:clrMapOvr>
+  <p:transition spd="slow">
+    <p:push dir="u"/>
+  </p:transition>
 </p:sldLayout>
 </file>
 
@@ -2693,6 +3153,9 @@
   <p:clrMapOvr>
     <a:masterClrMapping/>
   </p:clrMapOvr>
+  <p:transition spd="slow">
+    <p:push dir="u"/>
+  </p:transition>
 </p:sldLayout>
 </file>
 
@@ -2781,6 +3244,9 @@
   <p:clrMapOvr>
     <a:masterClrMapping/>
   </p:clrMapOvr>
+  <p:transition spd="slow">
+    <p:push dir="u"/>
+  </p:transition>
 </p:sldLayout>
 </file>
 
@@ -3014,6 +3480,9 @@
   <p:clrMapOvr>
     <a:masterClrMapping/>
   </p:clrMapOvr>
+  <p:transition spd="slow">
+    <p:push dir="u"/>
+  </p:transition>
 </p:sldLayout>
 </file>
 
@@ -3058,6 +3527,9 @@
   <p:clrMapOvr>
     <a:masterClrMapping/>
   </p:clrMapOvr>
+  <p:transition spd="slow">
+    <p:push dir="u"/>
+  </p:transition>
 </p:sldLayout>
 </file>
 
@@ -3418,6 +3890,9 @@
   <p:clrMapOvr>
     <a:masterClrMapping/>
   </p:clrMapOvr>
+  <p:transition spd="slow">
+    <p:push dir="u"/>
+  </p:transition>
 </p:sldLayout>
 </file>
 
@@ -3506,6 +3981,9 @@
   <p:clrMapOvr>
     <a:masterClrMapping/>
   </p:clrMapOvr>
+  <p:transition spd="slow">
+    <p:push dir="u"/>
+  </p:transition>
 </p:sldLayout>
 </file>
 
@@ -3594,6 +4072,9 @@
   <p:clrMapOvr>
     <a:masterClrMapping/>
   </p:clrMapOvr>
+  <p:transition spd="slow">
+    <p:push dir="u"/>
+  </p:transition>
 </p:sldLayout>
 </file>
 
@@ -3668,6 +4149,9 @@
   <p:clrMapOvr>
     <a:masterClrMapping/>
   </p:clrMapOvr>
+  <p:transition spd="slow">
+    <p:push dir="u"/>
+  </p:transition>
 </p:sldLayout>
 </file>
 
@@ -4036,6 +4520,9 @@
   <p:clrMapOvr>
     <a:masterClrMapping/>
   </p:clrMapOvr>
+  <p:transition spd="slow">
+    <p:push dir="u"/>
+  </p:transition>
 </p:sldLayout>
 </file>
 
@@ -4656,6 +5143,9 @@
   <p:clrMapOvr>
     <a:masterClrMapping/>
   </p:clrMapOvr>
+  <p:transition spd="slow">
+    <p:push dir="u"/>
+  </p:transition>
 </p:sldLayout>
 </file>
 
@@ -4905,6 +5395,9 @@
   <p:clrMapOvr>
     <a:masterClrMapping/>
   </p:clrMapOvr>
+  <p:transition spd="slow">
+    <p:push dir="u"/>
+  </p:transition>
 </p:sldLayout>
 </file>
 
@@ -5116,6 +5609,9 @@
   <p:clrMapOvr>
     <a:masterClrMapping/>
   </p:clrMapOvr>
+  <p:transition spd="slow">
+    <p:push dir="u"/>
+  </p:transition>
 </p:sldLayout>
 </file>
 
@@ -5153,6 +5649,9 @@
     <p:sldLayoutId id="2147483650" r:id="rId1"/>
     <p:sldLayoutId id="2147483672" r:id="rId2"/>
   </p:sldLayoutIdLst>
+  <p:transition spd="slow">
+    <p:push dir="u"/>
+  </p:transition>
   <p:txStyles>
     <p:titleStyle>
       <a:lvl1pPr algn="ctr" defTabSz="914400" rtl="0" eaLnBrk="1" latinLnBrk="1" hangingPunct="1">
@@ -5454,6 +5953,9 @@
     <p:sldLayoutId id="2147483675" r:id="rId15"/>
     <p:sldLayoutId id="2147483674" r:id="rId16"/>
   </p:sldLayoutIdLst>
+  <p:transition spd="slow">
+    <p:push dir="u"/>
+  </p:transition>
   <p:txStyles>
     <p:titleStyle>
       <a:lvl1pPr algn="ctr" defTabSz="914400" rtl="0" eaLnBrk="1" latinLnBrk="1" hangingPunct="1">
@@ -5740,6 +6242,9 @@
   <p:sldLayoutIdLst>
     <p:sldLayoutId id="2147483655" r:id="rId1"/>
   </p:sldLayoutIdLst>
+  <p:transition spd="slow">
+    <p:push dir="u"/>
+  </p:transition>
   <p:txStyles>
     <p:titleStyle>
       <a:lvl1pPr algn="ctr" defTabSz="914400" rtl="0" eaLnBrk="1" latinLnBrk="1" hangingPunct="1">
@@ -6197,7 +6702,7 @@
           <p:nvPr/>
         </p:nvPicPr>
         <p:blipFill>
-          <a:blip r:embed="rId2">
+          <a:blip r:embed="rId3">
             <a:extLst>
               <a:ext uri="{28A0092B-C50C-407E-A947-70E740481C1C}">
                 <a14:useLocalDpi xmlns:a14="http://schemas.microsoft.com/office/drawing/2010/main" val="0"/>
@@ -6228,6 +6733,16 @@
   <p:clrMapOvr>
     <a:masterClrMapping/>
   </p:clrMapOvr>
+  <p:transition spd="slow">
+    <p:push dir="u"/>
+  </p:transition>
+  <p:timing>
+    <p:tnLst>
+      <p:par>
+        <p:cTn id="1" dur="indefinite" restart="never" nodeType="tmRoot"/>
+      </p:par>
+    </p:tnLst>
+  </p:timing>
 </p:sld>
 </file>
 
@@ -6369,12 +6884,26 @@
         </p:blipFill>
         <p:spPr>
           <a:xfrm>
-            <a:off x="107504" y="830167"/>
+            <a:off x="219946" y="843558"/>
             <a:ext cx="8704108" cy="3614340"/>
           </a:xfrm>
           <a:prstGeom prst="rect">
             <a:avLst/>
           </a:prstGeom>
+          <a:ln w="38100" cap="sq">
+            <a:solidFill>
+              <a:srgbClr val="000000"/>
+            </a:solidFill>
+            <a:prstDash val="solid"/>
+            <a:miter lim="800000"/>
+          </a:ln>
+          <a:effectLst>
+            <a:outerShdw blurRad="50800" dist="38100" dir="2700000" algn="tl" rotWithShape="0">
+              <a:srgbClr val="000000">
+                <a:alpha val="43000"/>
+              </a:srgbClr>
+            </a:outerShdw>
+          </a:effectLst>
         </p:spPr>
       </p:pic>
     </p:spTree>
@@ -6387,6 +6916,16 @@
   <p:clrMapOvr>
     <a:masterClrMapping/>
   </p:clrMapOvr>
+  <p:transition spd="slow">
+    <p:push dir="u"/>
+  </p:transition>
+  <p:timing>
+    <p:tnLst>
+      <p:par>
+        <p:cTn id="1" dur="indefinite" restart="never" nodeType="tmRoot"/>
+      </p:par>
+    </p:tnLst>
+  </p:timing>
 </p:sld>
 </file>
 
@@ -6529,11 +7068,61 @@
         <p:spPr>
           <a:xfrm>
             <a:off x="467544" y="884466"/>
-            <a:ext cx="8208912" cy="3672408"/>
+            <a:ext cx="4968552" cy="3672408"/>
           </a:xfrm>
           <a:prstGeom prst="rect">
             <a:avLst/>
           </a:prstGeom>
+          <a:ln w="38100" cap="sq">
+            <a:solidFill>
+              <a:srgbClr val="000000"/>
+            </a:solidFill>
+            <a:prstDash val="solid"/>
+            <a:miter lim="800000"/>
+          </a:ln>
+          <a:effectLst>
+            <a:outerShdw blurRad="50800" dist="38100" dir="2700000" algn="tl" rotWithShape="0">
+              <a:srgbClr val="000000">
+                <a:alpha val="43000"/>
+              </a:srgbClr>
+            </a:outerShdw>
+          </a:effectLst>
+        </p:spPr>
+      </p:pic>
+      <p:pic>
+        <p:nvPicPr>
+          <p:cNvPr id="4" name="صورة 3"/>
+          <p:cNvPicPr>
+            <a:picLocks noChangeAspect="1"/>
+          </p:cNvPicPr>
+          <p:nvPr/>
+        </p:nvPicPr>
+        <p:blipFill>
+          <a:blip r:embed="rId3">
+            <a:extLst>
+              <a:ext uri="{28A0092B-C50C-407E-A947-70E740481C1C}">
+                <a14:useLocalDpi xmlns:a14="http://schemas.microsoft.com/office/drawing/2010/main" val="0"/>
+              </a:ext>
+            </a:extLst>
+          </a:blip>
+          <a:stretch>
+            <a:fillRect/>
+          </a:stretch>
+        </p:blipFill>
+        <p:spPr>
+          <a:xfrm>
+            <a:off x="5580112" y="1707654"/>
+            <a:ext cx="3249248" cy="2160240"/>
+          </a:xfrm>
+          <a:prstGeom prst="rect">
+            <a:avLst/>
+          </a:prstGeom>
+          <a:ln>
+            <a:noFill/>
+          </a:ln>
+          <a:effectLst>
+            <a:softEdge rad="112500"/>
+          </a:effectLst>
         </p:spPr>
       </p:pic>
     </p:spTree>
@@ -6546,10 +7135,386 @@
   <p:clrMapOvr>
     <a:masterClrMapping/>
   </p:clrMapOvr>
+  <p:transition spd="slow">
+    <p:push dir="u"/>
+  </p:transition>
+  <p:timing>
+    <p:tnLst>
+      <p:par>
+        <p:cTn id="1" dur="indefinite" restart="never" nodeType="tmRoot"/>
+      </p:par>
+    </p:tnLst>
+  </p:timing>
 </p:sld>
 </file>
 
 <file path=ppt/slides/slide12.xml><?xml version="1.0" encoding="utf-8"?>
+<p:sld xmlns:a="http://schemas.openxmlformats.org/drawingml/2006/main" xmlns:r="http://schemas.openxmlformats.org/officeDocument/2006/relationships" xmlns:p="http://schemas.openxmlformats.org/presentationml/2006/main">
+  <p:cSld>
+    <p:spTree>
+      <p:nvGrpSpPr>
+        <p:cNvPr id="1" name=""/>
+        <p:cNvGrpSpPr/>
+        <p:nvPr/>
+      </p:nvGrpSpPr>
+      <p:grpSpPr>
+        <a:xfrm>
+          <a:off x="0" y="0"/>
+          <a:ext cx="0" cy="0"/>
+          <a:chOff x="0" y="0"/>
+          <a:chExt cx="0" cy="0"/>
+        </a:xfrm>
+      </p:grpSpPr>
+      <p:sp>
+        <p:nvSpPr>
+          <p:cNvPr id="2" name="Title 1"/>
+          <p:cNvSpPr>
+            <a:spLocks noGrp="1"/>
+          </p:cNvSpPr>
+          <p:nvPr>
+            <p:ph type="title"/>
+          </p:nvPr>
+        </p:nvSpPr>
+        <p:spPr/>
+        <p:txBody>
+          <a:bodyPr/>
+          <a:lstStyle/>
+          <a:p>
+            <a:r>
+              <a:rPr lang="en-US" altLang="ko-KR"/>
+              <a:t>Data Analysis</a:t>
+            </a:r>
+            <a:endParaRPr lang="ko-KR" altLang="en-US" dirty="0"/>
+          </a:p>
+        </p:txBody>
+      </p:sp>
+      <p:grpSp>
+        <p:nvGrpSpPr>
+          <p:cNvPr id="38" name="Group 37"/>
+          <p:cNvGrpSpPr/>
+          <p:nvPr/>
+        </p:nvGrpSpPr>
+        <p:grpSpPr>
+          <a:xfrm>
+            <a:off x="3851920" y="1080978"/>
+            <a:ext cx="4896096" cy="523586"/>
+            <a:chOff x="7164288" y="856926"/>
+            <a:chExt cx="1439711" cy="523586"/>
+          </a:xfrm>
+        </p:grpSpPr>
+        <p:sp>
+          <p:nvSpPr>
+            <p:cNvPr id="39" name="TextBox 38"/>
+            <p:cNvSpPr txBox="1"/>
+            <p:nvPr/>
+          </p:nvSpPr>
+          <p:spPr>
+            <a:xfrm>
+              <a:off x="7164288" y="856926"/>
+              <a:ext cx="1439711" cy="276999"/>
+            </a:xfrm>
+            <a:prstGeom prst="rect">
+              <a:avLst/>
+            </a:prstGeom>
+            <a:noFill/>
+          </p:spPr>
+          <p:txBody>
+            <a:bodyPr wrap="square" rtlCol="0">
+              <a:spAutoFit/>
+            </a:bodyPr>
+            <a:lstStyle/>
+            <a:p>
+              <a:endParaRPr lang="ko-KR" altLang="en-US" sz="1200" dirty="0">
+                <a:solidFill>
+                  <a:schemeClr val="tx1">
+                    <a:lumMod val="75000"/>
+                    <a:lumOff val="25000"/>
+                  </a:schemeClr>
+                </a:solidFill>
+                <a:cs typeface="Arial" pitchFamily="34" charset="0"/>
+              </a:endParaRPr>
+            </a:p>
+          </p:txBody>
+        </p:sp>
+        <p:sp>
+          <p:nvSpPr>
+            <p:cNvPr id="40" name="TextBox 39"/>
+            <p:cNvSpPr txBox="1"/>
+            <p:nvPr/>
+          </p:nvSpPr>
+          <p:spPr>
+            <a:xfrm>
+              <a:off x="7164288" y="1103513"/>
+              <a:ext cx="1439711" cy="276999"/>
+            </a:xfrm>
+            <a:prstGeom prst="rect">
+              <a:avLst/>
+            </a:prstGeom>
+            <a:noFill/>
+          </p:spPr>
+          <p:txBody>
+            <a:bodyPr wrap="square" rtlCol="0">
+              <a:spAutoFit/>
+            </a:bodyPr>
+            <a:lstStyle/>
+            <a:p>
+              <a:endParaRPr lang="en-US" altLang="ko-KR" sz="1200" dirty="0">
+                <a:solidFill>
+                  <a:schemeClr val="tx1">
+                    <a:lumMod val="75000"/>
+                    <a:lumOff val="25000"/>
+                  </a:schemeClr>
+                </a:solidFill>
+                <a:cs typeface="Arial" pitchFamily="34" charset="0"/>
+              </a:endParaRPr>
+            </a:p>
+          </p:txBody>
+        </p:sp>
+      </p:grpSp>
+      <p:pic>
+        <p:nvPicPr>
+          <p:cNvPr id="7" name="صورة 6"/>
+          <p:cNvPicPr>
+            <a:picLocks noChangeAspect="1"/>
+          </p:cNvPicPr>
+          <p:nvPr/>
+        </p:nvPicPr>
+        <p:blipFill rotWithShape="1">
+          <a:blip r:embed="rId2"/>
+          <a:srcRect l="22438" t="32453" r="34250" b="6132"/>
+          <a:stretch/>
+        </p:blipFill>
+        <p:spPr>
+          <a:xfrm>
+            <a:off x="1259632" y="987574"/>
+            <a:ext cx="6624736" cy="3456384"/>
+          </a:xfrm>
+          <a:prstGeom prst="rect">
+            <a:avLst/>
+          </a:prstGeom>
+          <a:ln w="38100" cap="sq">
+            <a:solidFill>
+              <a:srgbClr val="000000"/>
+            </a:solidFill>
+            <a:prstDash val="solid"/>
+            <a:miter lim="800000"/>
+          </a:ln>
+          <a:effectLst>
+            <a:outerShdw blurRad="50800" dist="38100" dir="2700000" algn="tl" rotWithShape="0">
+              <a:srgbClr val="000000">
+                <a:alpha val="43000"/>
+              </a:srgbClr>
+            </a:outerShdw>
+          </a:effectLst>
+        </p:spPr>
+      </p:pic>
+    </p:spTree>
+    <p:extLst>
+      <p:ext uri="{BB962C8B-B14F-4D97-AF65-F5344CB8AC3E}">
+        <p14:creationId xmlns:p14="http://schemas.microsoft.com/office/powerpoint/2010/main" val="743605012"/>
+      </p:ext>
+    </p:extLst>
+  </p:cSld>
+  <p:clrMapOvr>
+    <a:masterClrMapping/>
+  </p:clrMapOvr>
+  <p:transition spd="slow">
+    <p:push dir="u"/>
+  </p:transition>
+  <p:timing>
+    <p:tnLst>
+      <p:par>
+        <p:cTn id="1" dur="indefinite" restart="never" nodeType="tmRoot"/>
+      </p:par>
+    </p:tnLst>
+  </p:timing>
+</p:sld>
+</file>
+
+<file path=ppt/slides/slide13.xml><?xml version="1.0" encoding="utf-8"?>
+<p:sld xmlns:a="http://schemas.openxmlformats.org/drawingml/2006/main" xmlns:r="http://schemas.openxmlformats.org/officeDocument/2006/relationships" xmlns:p="http://schemas.openxmlformats.org/presentationml/2006/main">
+  <p:cSld>
+    <p:spTree>
+      <p:nvGrpSpPr>
+        <p:cNvPr id="1" name=""/>
+        <p:cNvGrpSpPr/>
+        <p:nvPr/>
+      </p:nvGrpSpPr>
+      <p:grpSpPr>
+        <a:xfrm>
+          <a:off x="0" y="0"/>
+          <a:ext cx="0" cy="0"/>
+          <a:chOff x="0" y="0"/>
+          <a:chExt cx="0" cy="0"/>
+        </a:xfrm>
+      </p:grpSpPr>
+      <p:sp>
+        <p:nvSpPr>
+          <p:cNvPr id="2" name="Title 1"/>
+          <p:cNvSpPr>
+            <a:spLocks noGrp="1"/>
+          </p:cNvSpPr>
+          <p:nvPr>
+            <p:ph type="title"/>
+          </p:nvPr>
+        </p:nvSpPr>
+        <p:spPr/>
+        <p:txBody>
+          <a:bodyPr/>
+          <a:lstStyle/>
+          <a:p>
+            <a:r>
+              <a:rPr lang="en-US" altLang="ko-KR"/>
+              <a:t>Data Analysis</a:t>
+            </a:r>
+            <a:endParaRPr lang="ko-KR" altLang="en-US" dirty="0"/>
+          </a:p>
+        </p:txBody>
+      </p:sp>
+      <p:grpSp>
+        <p:nvGrpSpPr>
+          <p:cNvPr id="38" name="Group 37"/>
+          <p:cNvGrpSpPr/>
+          <p:nvPr/>
+        </p:nvGrpSpPr>
+        <p:grpSpPr>
+          <a:xfrm>
+            <a:off x="3851920" y="1080978"/>
+            <a:ext cx="4896096" cy="523586"/>
+            <a:chOff x="7164288" y="856926"/>
+            <a:chExt cx="1439711" cy="523586"/>
+          </a:xfrm>
+        </p:grpSpPr>
+        <p:sp>
+          <p:nvSpPr>
+            <p:cNvPr id="39" name="TextBox 38"/>
+            <p:cNvSpPr txBox="1"/>
+            <p:nvPr/>
+          </p:nvSpPr>
+          <p:spPr>
+            <a:xfrm>
+              <a:off x="7164288" y="856926"/>
+              <a:ext cx="1439711" cy="276999"/>
+            </a:xfrm>
+            <a:prstGeom prst="rect">
+              <a:avLst/>
+            </a:prstGeom>
+            <a:noFill/>
+          </p:spPr>
+          <p:txBody>
+            <a:bodyPr wrap="square" rtlCol="0">
+              <a:spAutoFit/>
+            </a:bodyPr>
+            <a:lstStyle/>
+            <a:p>
+              <a:endParaRPr lang="ko-KR" altLang="en-US" sz="1200" dirty="0">
+                <a:solidFill>
+                  <a:schemeClr val="tx1">
+                    <a:lumMod val="75000"/>
+                    <a:lumOff val="25000"/>
+                  </a:schemeClr>
+                </a:solidFill>
+                <a:cs typeface="Arial" pitchFamily="34" charset="0"/>
+              </a:endParaRPr>
+            </a:p>
+          </p:txBody>
+        </p:sp>
+        <p:sp>
+          <p:nvSpPr>
+            <p:cNvPr id="40" name="TextBox 39"/>
+            <p:cNvSpPr txBox="1"/>
+            <p:nvPr/>
+          </p:nvSpPr>
+          <p:spPr>
+            <a:xfrm>
+              <a:off x="7164288" y="1103513"/>
+              <a:ext cx="1439711" cy="276999"/>
+            </a:xfrm>
+            <a:prstGeom prst="rect">
+              <a:avLst/>
+            </a:prstGeom>
+            <a:noFill/>
+          </p:spPr>
+          <p:txBody>
+            <a:bodyPr wrap="square" rtlCol="0">
+              <a:spAutoFit/>
+            </a:bodyPr>
+            <a:lstStyle/>
+            <a:p>
+              <a:endParaRPr lang="en-US" altLang="ko-KR" sz="1200" dirty="0">
+                <a:solidFill>
+                  <a:schemeClr val="tx1">
+                    <a:lumMod val="75000"/>
+                    <a:lumOff val="25000"/>
+                  </a:schemeClr>
+                </a:solidFill>
+                <a:cs typeface="Arial" pitchFamily="34" charset="0"/>
+              </a:endParaRPr>
+            </a:p>
+          </p:txBody>
+        </p:sp>
+      </p:grpSp>
+      <p:pic>
+        <p:nvPicPr>
+          <p:cNvPr id="4" name="صورة 3"/>
+          <p:cNvPicPr>
+            <a:picLocks noChangeAspect="1"/>
+          </p:cNvPicPr>
+          <p:nvPr/>
+        </p:nvPicPr>
+        <p:blipFill rotWithShape="1">
+          <a:blip r:embed="rId2"/>
+          <a:srcRect l="23226" t="25142" r="24013"/>
+          <a:stretch/>
+        </p:blipFill>
+        <p:spPr>
+          <a:xfrm>
+            <a:off x="683568" y="771550"/>
+            <a:ext cx="7776864" cy="3686348"/>
+          </a:xfrm>
+          <a:prstGeom prst="rect">
+            <a:avLst/>
+          </a:prstGeom>
+          <a:ln w="38100" cap="sq">
+            <a:solidFill>
+              <a:srgbClr val="000000"/>
+            </a:solidFill>
+            <a:prstDash val="solid"/>
+            <a:miter lim="800000"/>
+          </a:ln>
+          <a:effectLst>
+            <a:outerShdw blurRad="50800" dist="38100" dir="2700000" algn="tl" rotWithShape="0">
+              <a:srgbClr val="000000">
+                <a:alpha val="43000"/>
+              </a:srgbClr>
+            </a:outerShdw>
+          </a:effectLst>
+        </p:spPr>
+      </p:pic>
+    </p:spTree>
+    <p:extLst>
+      <p:ext uri="{BB962C8B-B14F-4D97-AF65-F5344CB8AC3E}">
+        <p14:creationId xmlns:p14="http://schemas.microsoft.com/office/powerpoint/2010/main" val="1516052763"/>
+      </p:ext>
+    </p:extLst>
+  </p:cSld>
+  <p:clrMapOvr>
+    <a:masterClrMapping/>
+  </p:clrMapOvr>
+  <p:transition spd="slow">
+    <p:push dir="u"/>
+  </p:transition>
+  <p:timing>
+    <p:tnLst>
+      <p:par>
+        <p:cTn id="1" dur="indefinite" restart="never" nodeType="tmRoot"/>
+      </p:par>
+    </p:tnLst>
+  </p:timing>
+</p:sld>
+</file>
+
+<file path=ppt/slides/slide14.xml><?xml version="1.0" encoding="utf-8"?>
 <p:sld xmlns:a="http://schemas.openxmlformats.org/drawingml/2006/main" xmlns:r="http://schemas.openxmlformats.org/officeDocument/2006/relationships" xmlns:p="http://schemas.openxmlformats.org/presentationml/2006/main">
   <p:cSld>
     <p:spTree>
@@ -9892,8 +10857,8 @@
         </p:nvSpPr>
         <p:spPr>
           <a:xfrm>
-            <a:off x="2989136" y="1600571"/>
-            <a:ext cx="6154864" cy="1569660"/>
+            <a:off x="2915393" y="1127522"/>
+            <a:ext cx="6154864" cy="2308324"/>
           </a:xfrm>
           <a:prstGeom prst="rect">
             <a:avLst/>
@@ -9908,11 +10873,61 @@
           <a:p>
             <a:pPr algn="ctr"/>
             <a:r>
-              <a:rPr lang="en-US" altLang="ko-KR" sz="1600">
+              <a:rPr lang="en-US" altLang="ko-KR" sz="1600" dirty="0">
                 <a:latin typeface="+mj-lt"/>
                 <a:cs typeface="Arial" pitchFamily="34" charset="0"/>
               </a:rPr>
-              <a:t>Finally, I hope that this project will answer the questions of those who are about to choose their university majors, clarify the impressive achievement of the Kingdom of Saudi Arabia in advancing the labor market despite the conditions of the Corona pandemic, and prove the strength of the digital transformation trend.</a:t>
+              <a:t>Finally, I hope that this project will answer the questions of those who are about to choose their university majors, clarify the impressive achievement of the Kingdom of Saudi Arabia in advancing the labor market despite the conditions of the </a:t>
+            </a:r>
+            <a:r>
+              <a:rPr lang="en-US" altLang="ko-KR" sz="1600" dirty="0" smtClean="0">
+                <a:latin typeface="+mj-lt"/>
+                <a:cs typeface="Arial" pitchFamily="34" charset="0"/>
+              </a:rPr>
+              <a:t>Covid-19 </a:t>
+            </a:r>
+            <a:r>
+              <a:rPr lang="en-US" altLang="ko-KR" sz="1600" dirty="0">
+                <a:latin typeface="+mj-lt"/>
+                <a:cs typeface="Arial" pitchFamily="34" charset="0"/>
+              </a:rPr>
+              <a:t>pandemic, and prove the strength of the digital transformation trend</a:t>
+            </a:r>
+            <a:r>
+              <a:rPr lang="en-US" altLang="ko-KR" sz="1600" dirty="0" smtClean="0">
+                <a:latin typeface="+mj-lt"/>
+                <a:cs typeface="Arial" pitchFamily="34" charset="0"/>
+              </a:rPr>
+              <a:t>.</a:t>
+            </a:r>
+          </a:p>
+          <a:p>
+            <a:pPr marL="285750" indent="-285750">
+              <a:buFontTx/>
+              <a:buChar char="-"/>
+            </a:pPr>
+            <a:r>
+              <a:rPr lang="en-US" altLang="ko-KR" sz="1600" u="sng" dirty="0" smtClean="0">
+                <a:latin typeface="+mj-lt"/>
+                <a:cs typeface="Arial" pitchFamily="34" charset="0"/>
+              </a:rPr>
+              <a:t>Future work</a:t>
+            </a:r>
+          </a:p>
+          <a:p>
+            <a:r>
+              <a:rPr lang="en-US" altLang="ko-KR" sz="1600" dirty="0">
+                <a:latin typeface="+mj-lt"/>
+                <a:cs typeface="Arial" pitchFamily="34" charset="0"/>
+              </a:rPr>
+              <a:t>Deepening into the most in-demand technical and engineering sub-disciplines and knowing them more </a:t>
+            </a:r>
+            <a:r>
+              <a:rPr lang="en-US" altLang="ko-KR" sz="1600" dirty="0" smtClean="0">
+                <a:latin typeface="+mj-lt"/>
+                <a:cs typeface="Arial" pitchFamily="34" charset="0"/>
+              </a:rPr>
+              <a:t>clearly.</a:t>
             </a:r>
             <a:endParaRPr lang="ko-KR" altLang="en-US" sz="1600" dirty="0">
               <a:latin typeface="+mj-lt"/>
@@ -9931,10 +10946,20 @@
   <p:clrMapOvr>
     <a:masterClrMapping/>
   </p:clrMapOvr>
+  <p:transition spd="slow">
+    <p:push dir="u"/>
+  </p:transition>
+  <p:timing>
+    <p:tnLst>
+      <p:par>
+        <p:cTn id="1" dur="indefinite" restart="never" nodeType="tmRoot"/>
+      </p:par>
+    </p:tnLst>
+  </p:timing>
 </p:sld>
 </file>
 
-<file path=ppt/slides/slide13.xml><?xml version="1.0" encoding="utf-8"?>
+<file path=ppt/slides/slide15.xml><?xml version="1.0" encoding="utf-8"?>
 <p:sld xmlns:a="http://schemas.openxmlformats.org/drawingml/2006/main" xmlns:r="http://schemas.openxmlformats.org/officeDocument/2006/relationships" xmlns:p="http://schemas.openxmlformats.org/presentationml/2006/main">
   <p:cSld>
     <p:spTree>
@@ -11471,6 +12496,16 @@
   <p:clrMapOvr>
     <a:masterClrMapping/>
   </p:clrMapOvr>
+  <p:transition spd="slow">
+    <p:push dir="u"/>
+  </p:transition>
+  <p:timing>
+    <p:tnLst>
+      <p:par>
+        <p:cTn id="1" dur="indefinite" restart="never" nodeType="tmRoot"/>
+      </p:par>
+    </p:tnLst>
+  </p:timing>
 </p:sld>
 </file>
 
@@ -13004,6 +14039,16 @@
   <p:clrMapOvr>
     <a:masterClrMapping/>
   </p:clrMapOvr>
+  <p:transition spd="slow">
+    <p:push dir="u"/>
+  </p:transition>
+  <p:timing>
+    <p:tnLst>
+      <p:par>
+        <p:cTn id="1" dur="indefinite" restart="never" nodeType="tmRoot"/>
+      </p:par>
+    </p:tnLst>
+  </p:timing>
 </p:sld>
 </file>
 
@@ -13296,14 +14341,7 @@
                 <a:latin typeface="Times New Roman" panose="02020603050405020304" pitchFamily="18" charset="0"/>
                 <a:ea typeface="Calibri" panose="020F0502020204030204" pitchFamily="34" charset="0"/>
               </a:rPr>
-              <a:t>Many people are asking about the most sought-after jobs in the labor </a:t>
-            </a:r>
-            <a:r>
-              <a:rPr lang="en-US" sz="2000">
-                <a:latin typeface="Times New Roman" panose="02020603050405020304" pitchFamily="18" charset="0"/>
-                <a:ea typeface="Calibri" panose="020F0502020204030204" pitchFamily="34" charset="0"/>
-              </a:rPr>
-              <a:t>market </a:t>
+              <a:t>Many people are asking about the most sought-after jobs in the labor market </a:t>
             </a:r>
             <a:r>
               <a:rPr lang="en-US" sz="2000" smtClean="0">
@@ -13354,6 +14392,16 @@
   <p:clrMapOvr>
     <a:masterClrMapping/>
   </p:clrMapOvr>
+  <p:transition spd="slow">
+    <p:push dir="u"/>
+  </p:transition>
+  <p:timing>
+    <p:tnLst>
+      <p:par>
+        <p:cTn id="1" dur="indefinite" restart="never" nodeType="tmRoot"/>
+      </p:par>
+    </p:tnLst>
+  </p:timing>
 </p:sld>
 </file>
 
@@ -13519,6 +14567,16 @@
   <p:clrMapOvr>
     <a:masterClrMapping/>
   </p:clrMapOvr>
+  <p:transition spd="slow">
+    <p:push dir="u"/>
+  </p:transition>
+  <p:timing>
+    <p:tnLst>
+      <p:par>
+        <p:cTn id="1" dur="indefinite" restart="never" nodeType="tmRoot"/>
+      </p:par>
+    </p:tnLst>
+  </p:timing>
 </p:sld>
 </file>
 
@@ -14245,12 +15303,36 @@
         </p:blipFill>
         <p:spPr>
           <a:xfrm>
-            <a:off x="3727038" y="1486760"/>
+            <a:off x="3648078" y="1493613"/>
             <a:ext cx="5416961" cy="2237118"/>
           </a:xfrm>
-          <a:prstGeom prst="rect">
-            <a:avLst/>
+          <a:prstGeom prst="roundRect">
+            <a:avLst>
+              <a:gd name="adj" fmla="val 16667"/>
+            </a:avLst>
           </a:prstGeom>
+          <a:ln>
+            <a:noFill/>
+          </a:ln>
+          <a:effectLst>
+            <a:outerShdw blurRad="76200" dist="38100" dir="7800000" algn="tl" rotWithShape="0">
+              <a:srgbClr val="000000">
+                <a:alpha val="40000"/>
+              </a:srgbClr>
+            </a:outerShdw>
+          </a:effectLst>
+          <a:scene3d>
+            <a:camera prst="orthographicFront"/>
+            <a:lightRig rig="contrasting" dir="t">
+              <a:rot lat="0" lon="0" rev="4200000"/>
+            </a:lightRig>
+          </a:scene3d>
+          <a:sp3d prstMaterial="plastic">
+            <a:bevelT w="381000" h="114300" prst="relaxedInset"/>
+            <a:contourClr>
+              <a:srgbClr val="969696"/>
+            </a:contourClr>
+          </a:sp3d>
         </p:spPr>
       </p:pic>
     </p:spTree>
@@ -14263,6 +15345,16 @@
   <p:clrMapOvr>
     <a:masterClrMapping/>
   </p:clrMapOvr>
+  <p:transition spd="slow">
+    <p:push dir="u"/>
+  </p:transition>
+  <p:timing>
+    <p:tnLst>
+      <p:par>
+        <p:cTn id="1" dur="indefinite" restart="never" nodeType="tmRoot"/>
+      </p:par>
+    </p:tnLst>
+  </p:timing>
 </p:sld>
 </file>
 
@@ -14998,9 +16090,33 @@
             <a:off x="3751020" y="1604564"/>
             <a:ext cx="5381072" cy="2232248"/>
           </a:xfrm>
-          <a:prstGeom prst="rect">
-            <a:avLst/>
+          <a:prstGeom prst="roundRect">
+            <a:avLst>
+              <a:gd name="adj" fmla="val 16667"/>
+            </a:avLst>
           </a:prstGeom>
+          <a:ln>
+            <a:noFill/>
+          </a:ln>
+          <a:effectLst>
+            <a:outerShdw blurRad="76200" dist="38100" dir="7800000" algn="tl" rotWithShape="0">
+              <a:srgbClr val="000000">
+                <a:alpha val="40000"/>
+              </a:srgbClr>
+            </a:outerShdw>
+          </a:effectLst>
+          <a:scene3d>
+            <a:camera prst="orthographicFront"/>
+            <a:lightRig rig="contrasting" dir="t">
+              <a:rot lat="0" lon="0" rev="4200000"/>
+            </a:lightRig>
+          </a:scene3d>
+          <a:sp3d prstMaterial="plastic">
+            <a:bevelT w="381000" h="114300" prst="relaxedInset"/>
+            <a:contourClr>
+              <a:srgbClr val="969696"/>
+            </a:contourClr>
+          </a:sp3d>
         </p:spPr>
       </p:pic>
     </p:spTree>
@@ -15013,6 +16129,16 @@
   <p:clrMapOvr>
     <a:masterClrMapping/>
   </p:clrMapOvr>
+  <p:transition spd="slow">
+    <p:push dir="u"/>
+  </p:transition>
+  <p:timing>
+    <p:tnLst>
+      <p:par>
+        <p:cTn id="1" dur="indefinite" restart="never" nodeType="tmRoot"/>
+      </p:par>
+    </p:tnLst>
+  </p:timing>
 </p:sld>
 </file>
 
@@ -15733,12 +16859,36 @@
         </p:blipFill>
         <p:spPr>
           <a:xfrm>
-            <a:off x="3692560" y="1701874"/>
-            <a:ext cx="5399151" cy="2011353"/>
+            <a:off x="3584930" y="1701874"/>
+            <a:ext cx="5506781" cy="2011353"/>
           </a:xfrm>
-          <a:prstGeom prst="rect">
-            <a:avLst/>
+          <a:prstGeom prst="roundRect">
+            <a:avLst>
+              <a:gd name="adj" fmla="val 16667"/>
+            </a:avLst>
           </a:prstGeom>
+          <a:ln>
+            <a:noFill/>
+          </a:ln>
+          <a:effectLst>
+            <a:outerShdw blurRad="76200" dist="38100" dir="7800000" algn="tl" rotWithShape="0">
+              <a:srgbClr val="000000">
+                <a:alpha val="40000"/>
+              </a:srgbClr>
+            </a:outerShdw>
+          </a:effectLst>
+          <a:scene3d>
+            <a:camera prst="orthographicFront"/>
+            <a:lightRig rig="contrasting" dir="t">
+              <a:rot lat="0" lon="0" rev="4200000"/>
+            </a:lightRig>
+          </a:scene3d>
+          <a:sp3d prstMaterial="plastic">
+            <a:bevelT w="381000" h="114300" prst="relaxedInset"/>
+            <a:contourClr>
+              <a:srgbClr val="969696"/>
+            </a:contourClr>
+          </a:sp3d>
         </p:spPr>
       </p:pic>
       <p:sp>
@@ -15792,6 +16942,16 @@
   <p:clrMapOvr>
     <a:masterClrMapping/>
   </p:clrMapOvr>
+  <p:transition spd="slow">
+    <p:push dir="u"/>
+  </p:transition>
+  <p:timing>
+    <p:tnLst>
+      <p:par>
+        <p:cTn id="1" dur="indefinite" restart="never" nodeType="tmRoot"/>
+      </p:par>
+    </p:tnLst>
+  </p:timing>
 </p:sld>
 </file>
 
@@ -16564,9 +17724,33 @@
             <a:off x="3648078" y="1588713"/>
             <a:ext cx="5533904" cy="2855245"/>
           </a:xfrm>
-          <a:prstGeom prst="rect">
-            <a:avLst/>
+          <a:prstGeom prst="roundRect">
+            <a:avLst>
+              <a:gd name="adj" fmla="val 16667"/>
+            </a:avLst>
           </a:prstGeom>
+          <a:ln>
+            <a:noFill/>
+          </a:ln>
+          <a:effectLst>
+            <a:outerShdw blurRad="76200" dist="38100" dir="7800000" algn="tl" rotWithShape="0">
+              <a:srgbClr val="000000">
+                <a:alpha val="40000"/>
+              </a:srgbClr>
+            </a:outerShdw>
+          </a:effectLst>
+          <a:scene3d>
+            <a:camera prst="orthographicFront"/>
+            <a:lightRig rig="contrasting" dir="t">
+              <a:rot lat="0" lon="0" rev="4200000"/>
+            </a:lightRig>
+          </a:scene3d>
+          <a:sp3d prstMaterial="plastic">
+            <a:bevelT w="381000" h="114300" prst="relaxedInset"/>
+            <a:contourClr>
+              <a:srgbClr val="969696"/>
+            </a:contourClr>
+          </a:sp3d>
         </p:spPr>
       </p:pic>
     </p:spTree>
@@ -16579,6 +17763,16 @@
   <p:clrMapOvr>
     <a:masterClrMapping/>
   </p:clrMapOvr>
+  <p:transition spd="slow">
+    <p:push dir="u"/>
+  </p:transition>
+  <p:timing>
+    <p:tnLst>
+      <p:par>
+        <p:cTn id="1" dur="indefinite" restart="never" nodeType="tmRoot"/>
+      </p:par>
+    </p:tnLst>
+  </p:timing>
 </p:sld>
 </file>
 
@@ -17314,9 +18508,33 @@
             <a:off x="3633989" y="1987889"/>
             <a:ext cx="5510011" cy="1415828"/>
           </a:xfrm>
-          <a:prstGeom prst="rect">
-            <a:avLst/>
+          <a:prstGeom prst="roundRect">
+            <a:avLst>
+              <a:gd name="adj" fmla="val 16667"/>
+            </a:avLst>
           </a:prstGeom>
+          <a:ln>
+            <a:noFill/>
+          </a:ln>
+          <a:effectLst>
+            <a:outerShdw blurRad="76200" dist="38100" dir="7800000" algn="tl" rotWithShape="0">
+              <a:srgbClr val="000000">
+                <a:alpha val="40000"/>
+              </a:srgbClr>
+            </a:outerShdw>
+          </a:effectLst>
+          <a:scene3d>
+            <a:camera prst="orthographicFront"/>
+            <a:lightRig rig="contrasting" dir="t">
+              <a:rot lat="0" lon="0" rev="4200000"/>
+            </a:lightRig>
+          </a:scene3d>
+          <a:sp3d prstMaterial="plastic">
+            <a:bevelT w="381000" h="114300" prst="relaxedInset"/>
+            <a:contourClr>
+              <a:srgbClr val="969696"/>
+            </a:contourClr>
+          </a:sp3d>
         </p:spPr>
       </p:pic>
     </p:spTree>
@@ -17329,6 +18547,16 @@
   <p:clrMapOvr>
     <a:masterClrMapping/>
   </p:clrMapOvr>
+  <p:transition spd="slow">
+    <p:push dir="u"/>
+  </p:transition>
+  <p:timing>
+    <p:tnLst>
+      <p:par>
+        <p:cTn id="1" dur="indefinite" restart="never" nodeType="tmRoot"/>
+      </p:par>
+    </p:tnLst>
+  </p:timing>
 </p:sld>
 </file>
 
@@ -18038,6 +19266,267 @@
 </file>
 
 <file path=ppt/theme/theme4.xml><?xml version="1.0" encoding="utf-8"?>
+<a:theme xmlns:a="http://schemas.openxmlformats.org/drawingml/2006/main" name="نسق Office">
+  <a:themeElements>
+    <a:clrScheme name="Office">
+      <a:dk1>
+        <a:sysClr val="windowText" lastClr="000000"/>
+      </a:dk1>
+      <a:lt1>
+        <a:sysClr val="window" lastClr="FFFFFF"/>
+      </a:lt1>
+      <a:dk2>
+        <a:srgbClr val="44546A"/>
+      </a:dk2>
+      <a:lt2>
+        <a:srgbClr val="E7E6E6"/>
+      </a:lt2>
+      <a:accent1>
+        <a:srgbClr val="5B9BD5"/>
+      </a:accent1>
+      <a:accent2>
+        <a:srgbClr val="ED7D31"/>
+      </a:accent2>
+      <a:accent3>
+        <a:srgbClr val="A5A5A5"/>
+      </a:accent3>
+      <a:accent4>
+        <a:srgbClr val="FFC000"/>
+      </a:accent4>
+      <a:accent5>
+        <a:srgbClr val="4472C4"/>
+      </a:accent5>
+      <a:accent6>
+        <a:srgbClr val="70AD47"/>
+      </a:accent6>
+      <a:hlink>
+        <a:srgbClr val="0563C1"/>
+      </a:hlink>
+      <a:folHlink>
+        <a:srgbClr val="954F72"/>
+      </a:folHlink>
+    </a:clrScheme>
+    <a:fontScheme name="Office">
+      <a:majorFont>
+        <a:latin typeface="Calibri Light" panose="020F0302020204030204"/>
+        <a:ea typeface=""/>
+        <a:cs typeface=""/>
+        <a:font script="Jpan" typeface="ＭＳ Ｐゴシック"/>
+        <a:font script="Hang" typeface="맑은 고딕"/>
+        <a:font script="Hans" typeface="宋体"/>
+        <a:font script="Hant" typeface="新細明體"/>
+        <a:font script="Arab" typeface="Times New Roman"/>
+        <a:font script="Hebr" typeface="Times New Roman"/>
+        <a:font script="Thai" typeface="Angsana New"/>
+        <a:font script="Ethi" typeface="Nyala"/>
+        <a:font script="Beng" typeface="Vrinda"/>
+        <a:font script="Gujr" typeface="Shruti"/>
+        <a:font script="Khmr" typeface="MoolBoran"/>
+        <a:font script="Knda" typeface="Tunga"/>
+        <a:font script="Guru" typeface="Raavi"/>
+        <a:font script="Cans" typeface="Euphemia"/>
+        <a:font script="Cher" typeface="Plantagenet Cherokee"/>
+        <a:font script="Yiii" typeface="Microsoft Yi Baiti"/>
+        <a:font script="Tibt" typeface="Microsoft Himalaya"/>
+        <a:font script="Thaa" typeface="MV Boli"/>
+        <a:font script="Deva" typeface="Mangal"/>
+        <a:font script="Telu" typeface="Gautami"/>
+        <a:font script="Taml" typeface="Latha"/>
+        <a:font script="Syrc" typeface="Estrangelo Edessa"/>
+        <a:font script="Orya" typeface="Kalinga"/>
+        <a:font script="Mlym" typeface="Kartika"/>
+        <a:font script="Laoo" typeface="DokChampa"/>
+        <a:font script="Sinh" typeface="Iskoola Pota"/>
+        <a:font script="Mong" typeface="Mongolian Baiti"/>
+        <a:font script="Viet" typeface="Times New Roman"/>
+        <a:font script="Uigh" typeface="Microsoft Uighur"/>
+        <a:font script="Geor" typeface="Sylfaen"/>
+      </a:majorFont>
+      <a:minorFont>
+        <a:latin typeface="Calibri" panose="020F0502020204030204"/>
+        <a:ea typeface=""/>
+        <a:cs typeface=""/>
+        <a:font script="Jpan" typeface="ＭＳ Ｐゴシック"/>
+        <a:font script="Hang" typeface="맑은 고딕"/>
+        <a:font script="Hans" typeface="宋体"/>
+        <a:font script="Hant" typeface="新細明體"/>
+        <a:font script="Arab" typeface="Arial"/>
+        <a:font script="Hebr" typeface="Arial"/>
+        <a:font script="Thai" typeface="Cordia New"/>
+        <a:font script="Ethi" typeface="Nyala"/>
+        <a:font script="Beng" typeface="Vrinda"/>
+        <a:font script="Gujr" typeface="Shruti"/>
+        <a:font script="Khmr" typeface="DaunPenh"/>
+        <a:font script="Knda" typeface="Tunga"/>
+        <a:font script="Guru" typeface="Raavi"/>
+        <a:font script="Cans" typeface="Euphemia"/>
+        <a:font script="Cher" typeface="Plantagenet Cherokee"/>
+        <a:font script="Yiii" typeface="Microsoft Yi Baiti"/>
+        <a:font script="Tibt" typeface="Microsoft Himalaya"/>
+        <a:font script="Thaa" typeface="MV Boli"/>
+        <a:font script="Deva" typeface="Mangal"/>
+        <a:font script="Telu" typeface="Gautami"/>
+        <a:font script="Taml" typeface="Latha"/>
+        <a:font script="Syrc" typeface="Estrangelo Edessa"/>
+        <a:font script="Orya" typeface="Kalinga"/>
+        <a:font script="Mlym" typeface="Kartika"/>
+        <a:font script="Laoo" typeface="DokChampa"/>
+        <a:font script="Sinh" typeface="Iskoola Pota"/>
+        <a:font script="Mong" typeface="Mongolian Baiti"/>
+        <a:font script="Viet" typeface="Arial"/>
+        <a:font script="Uigh" typeface="Microsoft Uighur"/>
+        <a:font script="Geor" typeface="Sylfaen"/>
+      </a:minorFont>
+    </a:fontScheme>
+    <a:fmtScheme name="Office">
+      <a:fillStyleLst>
+        <a:solidFill>
+          <a:schemeClr val="phClr"/>
+        </a:solidFill>
+        <a:gradFill rotWithShape="1">
+          <a:gsLst>
+            <a:gs pos="0">
+              <a:schemeClr val="phClr">
+                <a:lumMod val="110000"/>
+                <a:satMod val="105000"/>
+                <a:tint val="67000"/>
+              </a:schemeClr>
+            </a:gs>
+            <a:gs pos="50000">
+              <a:schemeClr val="phClr">
+                <a:lumMod val="105000"/>
+                <a:satMod val="103000"/>
+                <a:tint val="73000"/>
+              </a:schemeClr>
+            </a:gs>
+            <a:gs pos="100000">
+              <a:schemeClr val="phClr">
+                <a:lumMod val="105000"/>
+                <a:satMod val="109000"/>
+                <a:tint val="81000"/>
+              </a:schemeClr>
+            </a:gs>
+          </a:gsLst>
+          <a:lin ang="5400000" scaled="0"/>
+        </a:gradFill>
+        <a:gradFill rotWithShape="1">
+          <a:gsLst>
+            <a:gs pos="0">
+              <a:schemeClr val="phClr">
+                <a:satMod val="103000"/>
+                <a:lumMod val="102000"/>
+                <a:tint val="94000"/>
+              </a:schemeClr>
+            </a:gs>
+            <a:gs pos="50000">
+              <a:schemeClr val="phClr">
+                <a:satMod val="110000"/>
+                <a:lumMod val="100000"/>
+                <a:shade val="100000"/>
+              </a:schemeClr>
+            </a:gs>
+            <a:gs pos="100000">
+              <a:schemeClr val="phClr">
+                <a:lumMod val="99000"/>
+                <a:satMod val="120000"/>
+                <a:shade val="78000"/>
+              </a:schemeClr>
+            </a:gs>
+          </a:gsLst>
+          <a:lin ang="5400000" scaled="0"/>
+        </a:gradFill>
+      </a:fillStyleLst>
+      <a:lnStyleLst>
+        <a:ln w="6350" cap="flat" cmpd="sng" algn="ctr">
+          <a:solidFill>
+            <a:schemeClr val="phClr"/>
+          </a:solidFill>
+          <a:prstDash val="solid"/>
+          <a:miter lim="800000"/>
+        </a:ln>
+        <a:ln w="12700" cap="flat" cmpd="sng" algn="ctr">
+          <a:solidFill>
+            <a:schemeClr val="phClr"/>
+          </a:solidFill>
+          <a:prstDash val="solid"/>
+          <a:miter lim="800000"/>
+        </a:ln>
+        <a:ln w="19050" cap="flat" cmpd="sng" algn="ctr">
+          <a:solidFill>
+            <a:schemeClr val="phClr"/>
+          </a:solidFill>
+          <a:prstDash val="solid"/>
+          <a:miter lim="800000"/>
+        </a:ln>
+      </a:lnStyleLst>
+      <a:effectStyleLst>
+        <a:effectStyle>
+          <a:effectLst/>
+        </a:effectStyle>
+        <a:effectStyle>
+          <a:effectLst/>
+        </a:effectStyle>
+        <a:effectStyle>
+          <a:effectLst>
+            <a:outerShdw blurRad="57150" dist="19050" dir="5400000" algn="ctr" rotWithShape="0">
+              <a:srgbClr val="000000">
+                <a:alpha val="63000"/>
+              </a:srgbClr>
+            </a:outerShdw>
+          </a:effectLst>
+        </a:effectStyle>
+      </a:effectStyleLst>
+      <a:bgFillStyleLst>
+        <a:solidFill>
+          <a:schemeClr val="phClr"/>
+        </a:solidFill>
+        <a:solidFill>
+          <a:schemeClr val="phClr">
+            <a:tint val="95000"/>
+            <a:satMod val="170000"/>
+          </a:schemeClr>
+        </a:solidFill>
+        <a:gradFill rotWithShape="1">
+          <a:gsLst>
+            <a:gs pos="0">
+              <a:schemeClr val="phClr">
+                <a:tint val="93000"/>
+                <a:satMod val="150000"/>
+                <a:shade val="98000"/>
+                <a:lumMod val="102000"/>
+              </a:schemeClr>
+            </a:gs>
+            <a:gs pos="50000">
+              <a:schemeClr val="phClr">
+                <a:tint val="98000"/>
+                <a:satMod val="130000"/>
+                <a:shade val="90000"/>
+                <a:lumMod val="103000"/>
+              </a:schemeClr>
+            </a:gs>
+            <a:gs pos="100000">
+              <a:schemeClr val="phClr">
+                <a:shade val="63000"/>
+                <a:satMod val="120000"/>
+              </a:schemeClr>
+            </a:gs>
+          </a:gsLst>
+          <a:lin ang="5400000" scaled="0"/>
+        </a:gradFill>
+      </a:bgFillStyleLst>
+    </a:fmtScheme>
+  </a:themeElements>
+  <a:objectDefaults/>
+  <a:extraClrSchemeLst/>
+  <a:extLst>
+    <a:ext uri="{05A4C25C-085E-4340-85A3-A5531E510DB2}">
+      <thm15:themeFamily xmlns:thm15="http://schemas.microsoft.com/office/thememl/2012/main" name="Office Theme" id="{62F939B6-93AF-4DB8-9C6B-D6C7DFDC589F}" vid="{4A3C46E8-61CC-4603-A589-7422A47A8E4A}"/>
+    </a:ext>
+  </a:extLst>
+</a:theme>
+</file>
+
+<file path=ppt/theme/theme5.xml><?xml version="1.0" encoding="utf-8"?>
 <a:theme xmlns:a="http://schemas.openxmlformats.org/drawingml/2006/main" name="Office Theme">
   <a:themeElements>
     <a:clrScheme name="Office">
